--- a/TA 8/TA 8.pptx
+++ b/TA 8/TA 8.pptx
@@ -134,7 +134,7 @@
   <pc:docChgLst>
     <pc:chgData name="משה עופר" userId="be54d6cb-761f-4aec-b214-5cfcb9fa6e02" providerId="ADAL" clId="{9A53B06C-6021-4D51-80AA-20ACACCB339A}"/>
     <pc:docChg chg="modSld">
-      <pc:chgData name="משה עופר" userId="be54d6cb-761f-4aec-b214-5cfcb9fa6e02" providerId="ADAL" clId="{9A53B06C-6021-4D51-80AA-20ACACCB339A}" dt="2024-12-15T09:20:03.781" v="11" actId="782"/>
+      <pc:chgData name="משה עופר" userId="be54d6cb-761f-4aec-b214-5cfcb9fa6e02" providerId="ADAL" clId="{9A53B06C-6021-4D51-80AA-20ACACCB339A}" dt="2024-12-25T15:46:29.566" v="12" actId="14100"/>
       <pc:docMkLst>
         <pc:docMk/>
       </pc:docMkLst>
@@ -172,6 +172,21 @@
           <pc:docMk/>
           <pc:sldMk cId="4128274601" sldId="262"/>
         </pc:sldMkLst>
+      </pc:sldChg>
+      <pc:sldChg chg="modSp mod">
+        <pc:chgData name="משה עופר" userId="be54d6cb-761f-4aec-b214-5cfcb9fa6e02" providerId="ADAL" clId="{9A53B06C-6021-4D51-80AA-20ACACCB339A}" dt="2024-12-25T15:46:29.566" v="12" actId="14100"/>
+        <pc:sldMkLst>
+          <pc:docMk/>
+          <pc:sldMk cId="628780434" sldId="269"/>
+        </pc:sldMkLst>
+        <pc:spChg chg="mod">
+          <ac:chgData name="משה עופר" userId="be54d6cb-761f-4aec-b214-5cfcb9fa6e02" providerId="ADAL" clId="{9A53B06C-6021-4D51-80AA-20ACACCB339A}" dt="2024-12-25T15:46:29.566" v="12" actId="14100"/>
+          <ac:spMkLst>
+            <pc:docMk/>
+            <pc:sldMk cId="628780434" sldId="269"/>
+            <ac:spMk id="6" creationId="{3B9697DF-290E-F415-C333-5A6699CE4558}"/>
+          </ac:spMkLst>
+        </pc:spChg>
       </pc:sldChg>
     </pc:docChg>
   </pc:docChgLst>
@@ -8239,7 +8254,7 @@
           <a:p>
             <a:fld id="{5FDEBED1-3628-4CB1-84FB-DB9117919616}" type="datetimeFigureOut">
               <a:rPr lang="en-US" smtClean="0"/>
-              <a:t>12/15/2024</a:t>
+              <a:t>12/25/2024</a:t>
             </a:fld>
             <a:endParaRPr lang="en-US"/>
           </a:p>
@@ -10001,7 +10016,7 @@
           <a:p>
             <a:fld id="{EAE8CDB2-1F5B-4988-A75E-ADA3CA0EB871}" type="datetimeFigureOut">
               <a:rPr lang="en-US" smtClean="0"/>
-              <a:t>12/15/2024</a:t>
+              <a:t>12/25/2024</a:t>
             </a:fld>
             <a:endParaRPr lang="en-US"/>
           </a:p>
@@ -10288,7 +10303,7 @@
           <a:p>
             <a:fld id="{EAE8CDB2-1F5B-4988-A75E-ADA3CA0EB871}" type="datetimeFigureOut">
               <a:rPr lang="en-US" smtClean="0"/>
-              <a:t>12/15/2024</a:t>
+              <a:t>12/25/2024</a:t>
             </a:fld>
             <a:endParaRPr lang="en-US"/>
           </a:p>
@@ -10480,7 +10495,7 @@
           <a:p>
             <a:fld id="{EAE8CDB2-1F5B-4988-A75E-ADA3CA0EB871}" type="datetimeFigureOut">
               <a:rPr lang="en-US" smtClean="0"/>
-              <a:t>12/15/2024</a:t>
+              <a:t>12/25/2024</a:t>
             </a:fld>
             <a:endParaRPr lang="en-US"/>
           </a:p>
@@ -10741,7 +10756,7 @@
           <a:p>
             <a:fld id="{EAE8CDB2-1F5B-4988-A75E-ADA3CA0EB871}" type="datetimeFigureOut">
               <a:rPr lang="en-US" smtClean="0"/>
-              <a:t>12/15/2024</a:t>
+              <a:t>12/25/2024</a:t>
             </a:fld>
             <a:endParaRPr lang="en-US"/>
           </a:p>
@@ -11165,7 +11180,7 @@
           <a:p>
             <a:fld id="{EAE8CDB2-1F5B-4988-A75E-ADA3CA0EB871}" type="datetimeFigureOut">
               <a:rPr lang="en-US" smtClean="0"/>
-              <a:t>12/15/2024</a:t>
+              <a:t>12/25/2024</a:t>
             </a:fld>
             <a:endParaRPr lang="en-US"/>
           </a:p>
@@ -11711,7 +11726,7 @@
           <a:p>
             <a:fld id="{EAE8CDB2-1F5B-4988-A75E-ADA3CA0EB871}" type="datetimeFigureOut">
               <a:rPr lang="en-US" smtClean="0"/>
-              <a:t>12/15/2024</a:t>
+              <a:t>12/25/2024</a:t>
             </a:fld>
             <a:endParaRPr lang="en-US"/>
           </a:p>
@@ -12551,7 +12566,7 @@
           <a:p>
             <a:fld id="{EAE8CDB2-1F5B-4988-A75E-ADA3CA0EB871}" type="datetimeFigureOut">
               <a:rPr lang="en-US" smtClean="0"/>
-              <a:t>12/15/2024</a:t>
+              <a:t>12/25/2024</a:t>
             </a:fld>
             <a:endParaRPr lang="en-US"/>
           </a:p>
@@ -12721,7 +12736,7 @@
           <a:p>
             <a:fld id="{EAE8CDB2-1F5B-4988-A75E-ADA3CA0EB871}" type="datetimeFigureOut">
               <a:rPr lang="en-US" smtClean="0"/>
-              <a:t>12/15/2024</a:t>
+              <a:t>12/25/2024</a:t>
             </a:fld>
             <a:endParaRPr lang="en-US"/>
           </a:p>
@@ -12905,7 +12920,7 @@
           <a:p>
             <a:fld id="{EAE8CDB2-1F5B-4988-A75E-ADA3CA0EB871}" type="datetimeFigureOut">
               <a:rPr lang="en-US" smtClean="0"/>
-              <a:t>12/15/2024</a:t>
+              <a:t>12/25/2024</a:t>
             </a:fld>
             <a:endParaRPr lang="en-US"/>
           </a:p>
@@ -13075,7 +13090,7 @@
           <a:p>
             <a:fld id="{EAE8CDB2-1F5B-4988-A75E-ADA3CA0EB871}" type="datetimeFigureOut">
               <a:rPr lang="en-US" smtClean="0"/>
-              <a:t>12/15/2024</a:t>
+              <a:t>12/25/2024</a:t>
             </a:fld>
             <a:endParaRPr lang="en-US"/>
           </a:p>
@@ -13323,7 +13338,7 @@
           <a:p>
             <a:fld id="{EAE8CDB2-1F5B-4988-A75E-ADA3CA0EB871}" type="datetimeFigureOut">
               <a:rPr lang="en-US" smtClean="0"/>
-              <a:t>12/15/2024</a:t>
+              <a:t>12/25/2024</a:t>
             </a:fld>
             <a:endParaRPr lang="en-US"/>
           </a:p>
@@ -13560,7 +13575,7 @@
           <a:p>
             <a:fld id="{EAE8CDB2-1F5B-4988-A75E-ADA3CA0EB871}" type="datetimeFigureOut">
               <a:rPr lang="en-US" smtClean="0"/>
-              <a:t>12/15/2024</a:t>
+              <a:t>12/25/2024</a:t>
             </a:fld>
             <a:endParaRPr lang="en-US"/>
           </a:p>
@@ -13933,7 +13948,7 @@
           <a:p>
             <a:fld id="{EAE8CDB2-1F5B-4988-A75E-ADA3CA0EB871}" type="datetimeFigureOut">
               <a:rPr lang="en-US" smtClean="0"/>
-              <a:t>12/15/2024</a:t>
+              <a:t>12/25/2024</a:t>
             </a:fld>
             <a:endParaRPr lang="en-US"/>
           </a:p>
@@ -14051,7 +14066,7 @@
           <a:p>
             <a:fld id="{EAE8CDB2-1F5B-4988-A75E-ADA3CA0EB871}" type="datetimeFigureOut">
               <a:rPr lang="en-US" smtClean="0"/>
-              <a:t>12/15/2024</a:t>
+              <a:t>12/25/2024</a:t>
             </a:fld>
             <a:endParaRPr lang="en-US"/>
           </a:p>
@@ -14146,7 +14161,7 @@
           <a:p>
             <a:fld id="{EAE8CDB2-1F5B-4988-A75E-ADA3CA0EB871}" type="datetimeFigureOut">
               <a:rPr lang="en-US" smtClean="0"/>
-              <a:t>12/15/2024</a:t>
+              <a:t>12/25/2024</a:t>
             </a:fld>
             <a:endParaRPr lang="en-US"/>
           </a:p>
@@ -14397,7 +14412,7 @@
           <a:p>
             <a:fld id="{EAE8CDB2-1F5B-4988-A75E-ADA3CA0EB871}" type="datetimeFigureOut">
               <a:rPr lang="en-US" smtClean="0"/>
-              <a:t>12/15/2024</a:t>
+              <a:t>12/25/2024</a:t>
             </a:fld>
             <a:endParaRPr lang="en-US"/>
           </a:p>
@@ -14684,7 +14699,7 @@
           <a:p>
             <a:fld id="{EAE8CDB2-1F5B-4988-A75E-ADA3CA0EB871}" type="datetimeFigureOut">
               <a:rPr lang="en-US" smtClean="0"/>
-              <a:t>12/15/2024</a:t>
+              <a:t>12/25/2024</a:t>
             </a:fld>
             <a:endParaRPr lang="en-US"/>
           </a:p>
@@ -14897,7 +14912,7 @@
           <a:p>
             <a:fld id="{EAE8CDB2-1F5B-4988-A75E-ADA3CA0EB871}" type="datetimeFigureOut">
               <a:rPr lang="en-US" smtClean="0"/>
-              <a:t>12/15/2024</a:t>
+              <a:t>12/25/2024</a:t>
             </a:fld>
             <a:endParaRPr lang="en-US"/>
           </a:p>
@@ -16847,7 +16862,7 @@
         <p:spPr>
           <a:xfrm>
             <a:off x="2827522" y="3853602"/>
-            <a:ext cx="6096000" cy="2862322"/>
+            <a:ext cx="7351194" cy="2554545"/>
           </a:xfrm>
           <a:prstGeom prst="rect">
             <a:avLst/>
